--- a/week7.pptx
+++ b/week7.pptx
@@ -5,10 +5,13 @@
     <p:sldMasterId id="2147483689" r:id="rId1"/>
   </p:sldMasterIdLst>
   <p:sldIdLst>
-    <p:sldId id="256" r:id="rId2"/>
-    <p:sldId id="257" r:id="rId3"/>
-    <p:sldId id="258" r:id="rId4"/>
-    <p:sldId id="259" r:id="rId5"/>
+    <p:sldId id="260" r:id="rId2"/>
+    <p:sldId id="261" r:id="rId3"/>
+    <p:sldId id="256" r:id="rId4"/>
+    <p:sldId id="262" r:id="rId5"/>
+    <p:sldId id="257" r:id="rId6"/>
+    <p:sldId id="258" r:id="rId7"/>
+    <p:sldId id="259" r:id="rId8"/>
   </p:sldIdLst>
   <p:sldSz cx="12192000" cy="6858000"/>
   <p:notesSz cx="6858000" cy="9144000"/>
@@ -118,13 +121,74 @@
 <file path=ppt/revisionInfo.xml><?xml version="1.0" encoding="utf-8"?>
 <p1510:revInfo xmlns:a="http://schemas.openxmlformats.org/drawingml/2006/main" xmlns:r="http://schemas.openxmlformats.org/officeDocument/2006/relationships" xmlns:p1510="http://schemas.microsoft.com/office/powerpoint/2015/10/main">
   <p1510:revLst>
-    <p1510:client id="{94A73DDD-686A-47D1-8843-5CE9AAE20EA5}" v="2422" dt="2024-09-12T14:17:27.138"/>
+    <p1510:client id="{07F2F9D2-9609-4CC5-BD98-2260FF6C0553}" v="2" dt="2024-09-20T02:56:29.853"/>
   </p1510:revLst>
 </p1510:revInfo>
 </file>
 
 <file path=ppt/changesInfos/changesInfo1.xml><?xml version="1.0" encoding="utf-8"?>
 <pc:chgInfo xmlns:a="http://schemas.openxmlformats.org/drawingml/2006/main" xmlns:r="http://schemas.openxmlformats.org/officeDocument/2006/relationships" xmlns:ac="http://schemas.microsoft.com/office/drawing/2013/main/command" xmlns:pc="http://schemas.microsoft.com/office/powerpoint/2013/main/command">
+  <pc:docChgLst>
+    <pc:chgData name="Abhiyan SIMKHADA" userId="25153c26-c0a9-42fd-b5cf-80d55f5886a8" providerId="ADAL" clId="{07F2F9D2-9609-4CC5-BD98-2260FF6C0553}"/>
+    <pc:docChg chg="custSel addSld modSld sldOrd">
+      <pc:chgData name="Abhiyan SIMKHADA" userId="25153c26-c0a9-42fd-b5cf-80d55f5886a8" providerId="ADAL" clId="{07F2F9D2-9609-4CC5-BD98-2260FF6C0553}" dt="2024-09-20T02:57:03.019" v="16"/>
+      <pc:docMkLst>
+        <pc:docMk/>
+      </pc:docMkLst>
+      <pc:sldChg chg="ord">
+        <pc:chgData name="Abhiyan SIMKHADA" userId="25153c26-c0a9-42fd-b5cf-80d55f5886a8" providerId="ADAL" clId="{07F2F9D2-9609-4CC5-BD98-2260FF6C0553}" dt="2024-09-20T02:48:59.256" v="2"/>
+        <pc:sldMkLst>
+          <pc:docMk/>
+          <pc:sldMk cId="3875964631" sldId="256"/>
+        </pc:sldMkLst>
+      </pc:sldChg>
+      <pc:sldChg chg="addSp modSp new mod">
+        <pc:chgData name="Abhiyan SIMKHADA" userId="25153c26-c0a9-42fd-b5cf-80d55f5886a8" providerId="ADAL" clId="{07F2F9D2-9609-4CC5-BD98-2260FF6C0553}" dt="2024-09-20T02:56:03.206" v="10" actId="20577"/>
+        <pc:sldMkLst>
+          <pc:docMk/>
+          <pc:sldMk cId="2207841687" sldId="260"/>
+        </pc:sldMkLst>
+        <pc:spChg chg="add mod">
+          <ac:chgData name="Abhiyan SIMKHADA" userId="25153c26-c0a9-42fd-b5cf-80d55f5886a8" providerId="ADAL" clId="{07F2F9D2-9609-4CC5-BD98-2260FF6C0553}" dt="2024-09-20T02:56:03.206" v="10" actId="20577"/>
+          <ac:spMkLst>
+            <pc:docMk/>
+            <pc:sldMk cId="2207841687" sldId="260"/>
+            <ac:spMk id="2" creationId="{6F44EAAE-7267-A278-1E6F-277D3B8E00B3}"/>
+          </ac:spMkLst>
+        </pc:spChg>
+      </pc:sldChg>
+      <pc:sldChg chg="addSp modSp new mod">
+        <pc:chgData name="Abhiyan SIMKHADA" userId="25153c26-c0a9-42fd-b5cf-80d55f5886a8" providerId="ADAL" clId="{07F2F9D2-9609-4CC5-BD98-2260FF6C0553}" dt="2024-09-20T02:56:31.054" v="13"/>
+        <pc:sldMkLst>
+          <pc:docMk/>
+          <pc:sldMk cId="3989972558" sldId="261"/>
+        </pc:sldMkLst>
+        <pc:spChg chg="add mod">
+          <ac:chgData name="Abhiyan SIMKHADA" userId="25153c26-c0a9-42fd-b5cf-80d55f5886a8" providerId="ADAL" clId="{07F2F9D2-9609-4CC5-BD98-2260FF6C0553}" dt="2024-09-20T02:56:31.054" v="13"/>
+          <ac:spMkLst>
+            <pc:docMk/>
+            <pc:sldMk cId="3989972558" sldId="261"/>
+            <ac:spMk id="2" creationId="{0142B4D2-F99E-671C-439A-7AD90689D286}"/>
+          </ac:spMkLst>
+        </pc:spChg>
+      </pc:sldChg>
+      <pc:sldChg chg="modSp new mod">
+        <pc:chgData name="Abhiyan SIMKHADA" userId="25153c26-c0a9-42fd-b5cf-80d55f5886a8" providerId="ADAL" clId="{07F2F9D2-9609-4CC5-BD98-2260FF6C0553}" dt="2024-09-20T02:57:03.019" v="16"/>
+        <pc:sldMkLst>
+          <pc:docMk/>
+          <pc:sldMk cId="488202138" sldId="262"/>
+        </pc:sldMkLst>
+        <pc:spChg chg="mod">
+          <ac:chgData name="Abhiyan SIMKHADA" userId="25153c26-c0a9-42fd-b5cf-80d55f5886a8" providerId="ADAL" clId="{07F2F9D2-9609-4CC5-BD98-2260FF6C0553}" dt="2024-09-20T02:57:03.019" v="16"/>
+          <ac:spMkLst>
+            <pc:docMk/>
+            <pc:sldMk cId="488202138" sldId="262"/>
+            <ac:spMk id="3" creationId="{4D79FB1A-FE8C-12C2-5978-C15D473232EC}"/>
+          </ac:spMkLst>
+        </pc:spChg>
+      </pc:sldChg>
+    </pc:docChg>
+  </pc:docChgLst>
   <pc:docChgLst>
     <pc:chgData name="Abhiyan SIMKHADA" userId="25153c26-c0a9-42fd-b5cf-80d55f5886a8" providerId="ADAL" clId="{94A73DDD-686A-47D1-8843-5CE9AAE20EA5}"/>
     <pc:docChg chg="undo redo custSel addSld delSld modSld">
@@ -11055,7 +11119,7 @@
           <a:p>
             <a:fld id="{A405BE5F-33C8-40E4-A21E-E1975F34BFE7}" type="datetimeFigureOut">
               <a:rPr lang="en-AU" smtClean="0"/>
-              <a:t>12/09/2024</a:t>
+              <a:t>20/09/2024</a:t>
             </a:fld>
             <a:endParaRPr lang="en-AU"/>
           </a:p>
@@ -11491,7 +11555,7 @@
           <a:p>
             <a:fld id="{A405BE5F-33C8-40E4-A21E-E1975F34BFE7}" type="datetimeFigureOut">
               <a:rPr lang="en-AU" smtClean="0"/>
-              <a:t>12/09/2024</a:t>
+              <a:t>20/09/2024</a:t>
             </a:fld>
             <a:endParaRPr lang="en-AU"/>
           </a:p>
@@ -11741,7 +11805,7 @@
           <a:p>
             <a:fld id="{A405BE5F-33C8-40E4-A21E-E1975F34BFE7}" type="datetimeFigureOut">
               <a:rPr lang="en-AU" smtClean="0"/>
-              <a:t>12/09/2024</a:t>
+              <a:t>20/09/2024</a:t>
             </a:fld>
             <a:endParaRPr lang="en-AU"/>
           </a:p>
@@ -12049,7 +12113,7 @@
           <a:p>
             <a:fld id="{A405BE5F-33C8-40E4-A21E-E1975F34BFE7}" type="datetimeFigureOut">
               <a:rPr lang="en-AU" smtClean="0"/>
-              <a:t>12/09/2024</a:t>
+              <a:t>20/09/2024</a:t>
             </a:fld>
             <a:endParaRPr lang="en-AU"/>
           </a:p>
@@ -12367,7 +12431,7 @@
           <a:p>
             <a:fld id="{A405BE5F-33C8-40E4-A21E-E1975F34BFE7}" type="datetimeFigureOut">
               <a:rPr lang="en-AU" smtClean="0"/>
-              <a:t>12/09/2024</a:t>
+              <a:t>20/09/2024</a:t>
             </a:fld>
             <a:endParaRPr lang="en-AU"/>
           </a:p>
@@ -12669,7 +12733,7 @@
           <a:p>
             <a:fld id="{A405BE5F-33C8-40E4-A21E-E1975F34BFE7}" type="datetimeFigureOut">
               <a:rPr lang="en-AU" smtClean="0"/>
-              <a:t>12/09/2024</a:t>
+              <a:t>20/09/2024</a:t>
             </a:fld>
             <a:endParaRPr lang="en-AU"/>
           </a:p>
@@ -13036,7 +13100,7 @@
           <a:p>
             <a:fld id="{A405BE5F-33C8-40E4-A21E-E1975F34BFE7}" type="datetimeFigureOut">
               <a:rPr lang="en-AU" smtClean="0"/>
-              <a:t>12/09/2024</a:t>
+              <a:t>20/09/2024</a:t>
             </a:fld>
             <a:endParaRPr lang="en-AU"/>
           </a:p>
@@ -13210,7 +13274,7 @@
           <a:p>
             <a:fld id="{A405BE5F-33C8-40E4-A21E-E1975F34BFE7}" type="datetimeFigureOut">
               <a:rPr lang="en-AU" smtClean="0"/>
-              <a:t>12/09/2024</a:t>
+              <a:t>20/09/2024</a:t>
             </a:fld>
             <a:endParaRPr lang="en-AU"/>
           </a:p>
@@ -13390,7 +13454,7 @@
           <a:p>
             <a:fld id="{A405BE5F-33C8-40E4-A21E-E1975F34BFE7}" type="datetimeFigureOut">
               <a:rPr lang="en-AU" smtClean="0"/>
-              <a:t>12/09/2024</a:t>
+              <a:t>20/09/2024</a:t>
             </a:fld>
             <a:endParaRPr lang="en-AU"/>
           </a:p>
@@ -13560,7 +13624,7 @@
           <a:p>
             <a:fld id="{A405BE5F-33C8-40E4-A21E-E1975F34BFE7}" type="datetimeFigureOut">
               <a:rPr lang="en-AU" smtClean="0"/>
-              <a:t>12/09/2024</a:t>
+              <a:t>20/09/2024</a:t>
             </a:fld>
             <a:endParaRPr lang="en-AU"/>
           </a:p>
@@ -13810,7 +13874,7 @@
           <a:p>
             <a:fld id="{A405BE5F-33C8-40E4-A21E-E1975F34BFE7}" type="datetimeFigureOut">
               <a:rPr lang="en-AU" smtClean="0"/>
-              <a:t>12/09/2024</a:t>
+              <a:t>20/09/2024</a:t>
             </a:fld>
             <a:endParaRPr lang="en-AU"/>
           </a:p>
@@ -14046,7 +14110,7 @@
           <a:p>
             <a:fld id="{A405BE5F-33C8-40E4-A21E-E1975F34BFE7}" type="datetimeFigureOut">
               <a:rPr lang="en-AU" smtClean="0"/>
-              <a:t>12/09/2024</a:t>
+              <a:t>20/09/2024</a:t>
             </a:fld>
             <a:endParaRPr lang="en-AU"/>
           </a:p>
@@ -14428,7 +14492,7 @@
           <a:p>
             <a:fld id="{A405BE5F-33C8-40E4-A21E-E1975F34BFE7}" type="datetimeFigureOut">
               <a:rPr lang="en-AU" smtClean="0"/>
-              <a:t>12/09/2024</a:t>
+              <a:t>20/09/2024</a:t>
             </a:fld>
             <a:endParaRPr lang="en-AU"/>
           </a:p>
@@ -14546,7 +14610,7 @@
           <a:p>
             <a:fld id="{A405BE5F-33C8-40E4-A21E-E1975F34BFE7}" type="datetimeFigureOut">
               <a:rPr lang="en-AU" smtClean="0"/>
-              <a:t>12/09/2024</a:t>
+              <a:t>20/09/2024</a:t>
             </a:fld>
             <a:endParaRPr lang="en-AU"/>
           </a:p>
@@ -14641,7 +14705,7 @@
           <a:p>
             <a:fld id="{A405BE5F-33C8-40E4-A21E-E1975F34BFE7}" type="datetimeFigureOut">
               <a:rPr lang="en-AU" smtClean="0"/>
-              <a:t>12/09/2024</a:t>
+              <a:t>20/09/2024</a:t>
             </a:fld>
             <a:endParaRPr lang="en-AU"/>
           </a:p>
@@ -14896,7 +14960,7 @@
           <a:p>
             <a:fld id="{A405BE5F-33C8-40E4-A21E-E1975F34BFE7}" type="datetimeFigureOut">
               <a:rPr lang="en-AU" smtClean="0"/>
-              <a:t>12/09/2024</a:t>
+              <a:t>20/09/2024</a:t>
             </a:fld>
             <a:endParaRPr lang="en-AU"/>
           </a:p>
@@ -15179,7 +15243,7 @@
           <a:p>
             <a:fld id="{A405BE5F-33C8-40E4-A21E-E1975F34BFE7}" type="datetimeFigureOut">
               <a:rPr lang="en-AU" smtClean="0"/>
-              <a:t>12/09/2024</a:t>
+              <a:t>20/09/2024</a:t>
             </a:fld>
             <a:endParaRPr lang="en-AU"/>
           </a:p>
@@ -15585,7 +15649,7 @@
           <a:p>
             <a:fld id="{A405BE5F-33C8-40E4-A21E-E1975F34BFE7}" type="datetimeFigureOut">
               <a:rPr lang="en-AU" smtClean="0"/>
-              <a:t>12/09/2024</a:t>
+              <a:t>20/09/2024</a:t>
             </a:fld>
             <a:endParaRPr lang="en-AU"/>
           </a:p>
@@ -16122,6 +16186,629 @@
       </p:grpSpPr>
       <p:sp>
         <p:nvSpPr>
+          <p:cNvPr id="2" name="TextBox 1">
+            <a:extLst>
+              <a:ext uri="{FF2B5EF4-FFF2-40B4-BE49-F238E27FC236}">
+                <a16:creationId xmlns:a16="http://schemas.microsoft.com/office/drawing/2014/main" id="{6F44EAAE-7267-A278-1E6F-277D3B8E00B3}"/>
+              </a:ext>
+            </a:extLst>
+          </p:cNvPr>
+          <p:cNvSpPr txBox="1"/>
+          <p:nvPr/>
+        </p:nvSpPr>
+        <p:spPr>
+          <a:xfrm>
+            <a:off x="898358" y="609600"/>
+            <a:ext cx="9769642" cy="5591146"/>
+          </a:xfrm>
+          <a:prstGeom prst="rect">
+            <a:avLst/>
+          </a:prstGeom>
+          <a:noFill/>
+        </p:spPr>
+        <p:txBody>
+          <a:bodyPr wrap="square" rtlCol="0">
+            <a:spAutoFit/>
+          </a:bodyPr>
+          <a:lstStyle/>
+          <a:p>
+            <a:r>
+              <a:rPr lang="en-AU" sz="1800" b="1" dirty="0">
+                <a:effectLst/>
+                <a:latin typeface="Aptos" panose="020B0004020202020204" pitchFamily="34" charset="0"/>
+                <a:ea typeface="Aptos" panose="020B0004020202020204" pitchFamily="34" charset="0"/>
+                <a:cs typeface="Times New Roman" panose="02020603050405020304" pitchFamily="18" charset="0"/>
+              </a:rPr>
+              <a:t>Group Name:</a:t>
+            </a:r>
+            <a:r>
+              <a:rPr lang="en-AU" sz="1800" dirty="0">
+                <a:effectLst/>
+                <a:latin typeface="Aptos" panose="020B0004020202020204" pitchFamily="34" charset="0"/>
+                <a:ea typeface="Aptos" panose="020B0004020202020204" pitchFamily="34" charset="0"/>
+                <a:cs typeface="Times New Roman" panose="02020603050405020304" pitchFamily="18" charset="0"/>
+              </a:rPr>
+              <a:t> CUBARANSOMWARE (</a:t>
+            </a:r>
+            <a:r>
+              <a:rPr lang="en-AU" sz="1800" u="sng" dirty="0">
+                <a:solidFill>
+                  <a:srgbClr val="467886"/>
+                </a:solidFill>
+                <a:effectLst/>
+                <a:latin typeface="Aptos" panose="020B0004020202020204" pitchFamily="34" charset="0"/>
+                <a:ea typeface="Aptos" panose="020B0004020202020204" pitchFamily="34" charset="0"/>
+                <a:cs typeface="Times New Roman" panose="02020603050405020304" pitchFamily="18" charset="0"/>
+                <a:hlinkClick r:id="rId2"/>
+              </a:rPr>
+              <a:t>Attack Graph Response to US-CERT Alert (AA22-335A): #StopRansomware: Cuba Ransomware – </a:t>
+            </a:r>
+            <a:r>
+              <a:rPr lang="en-AU" sz="1800" u="sng" dirty="0" err="1">
+                <a:solidFill>
+                  <a:srgbClr val="467886"/>
+                </a:solidFill>
+                <a:effectLst/>
+                <a:latin typeface="Aptos" panose="020B0004020202020204" pitchFamily="34" charset="0"/>
+                <a:ea typeface="Aptos" panose="020B0004020202020204" pitchFamily="34" charset="0"/>
+                <a:cs typeface="Times New Roman" panose="02020603050405020304" pitchFamily="18" charset="0"/>
+                <a:hlinkClick r:id="rId2"/>
+              </a:rPr>
+              <a:t>AttackIQ</a:t>
+            </a:r>
+            <a:endParaRPr lang="en-AU" sz="1800" u="sng" dirty="0">
+              <a:solidFill>
+                <a:srgbClr val="467886"/>
+              </a:solidFill>
+              <a:effectLst/>
+              <a:latin typeface="Aptos" panose="020B0004020202020204" pitchFamily="34" charset="0"/>
+              <a:ea typeface="Aptos" panose="020B0004020202020204" pitchFamily="34" charset="0"/>
+              <a:cs typeface="Times New Roman" panose="02020603050405020304" pitchFamily="18" charset="0"/>
+            </a:endParaRPr>
+          </a:p>
+          <a:p>
+            <a:endParaRPr lang="en-AU" u="sng" dirty="0">
+              <a:solidFill>
+                <a:srgbClr val="467886"/>
+              </a:solidFill>
+              <a:latin typeface="Aptos" panose="020B0004020202020204" pitchFamily="34" charset="0"/>
+              <a:cs typeface="Times New Roman" panose="02020603050405020304" pitchFamily="18" charset="0"/>
+            </a:endParaRPr>
+          </a:p>
+          <a:p>
+            <a:r>
+              <a:rPr lang="en-AU" sz="1800" kern="100" dirty="0">
+                <a:effectLst/>
+                <a:latin typeface="Aptos" panose="020B0004020202020204" pitchFamily="34" charset="0"/>
+                <a:ea typeface="Aptos" panose="020B0004020202020204" pitchFamily="34" charset="0"/>
+                <a:cs typeface="Times New Roman" panose="02020603050405020304" pitchFamily="18" charset="0"/>
+              </a:rPr>
+              <a:t>Associated Groups: NORTHKOREANHACKERS Description: CUBARANSOMWARE is a North Korea-based threat group that has been active since at least 2020. The group focuses on targeting the healthcare and financial sectors. (</a:t>
+            </a:r>
+            <a:r>
+              <a:rPr lang="en-AU" sz="1800" u="sng" kern="100" dirty="0">
+                <a:solidFill>
+                  <a:srgbClr val="467886"/>
+                </a:solidFill>
+                <a:effectLst/>
+                <a:latin typeface="Aptos" panose="020B0004020202020204" pitchFamily="34" charset="0"/>
+                <a:ea typeface="Aptos" panose="020B0004020202020204" pitchFamily="34" charset="0"/>
+                <a:cs typeface="Times New Roman" panose="02020603050405020304" pitchFamily="18" charset="0"/>
+                <a:hlinkClick r:id="rId3"/>
+              </a:rPr>
+              <a:t>North Korea Cyber Threat Overview and Advisories | CISA</a:t>
+            </a:r>
+            <a:r>
+              <a:rPr lang="en-AU" sz="1800" b="1" u="sng" kern="100" dirty="0">
+                <a:solidFill>
+                  <a:srgbClr val="467886"/>
+                </a:solidFill>
+                <a:effectLst/>
+                <a:latin typeface="Aptos" panose="020B0004020202020204" pitchFamily="34" charset="0"/>
+                <a:ea typeface="Aptos" panose="020B0004020202020204" pitchFamily="34" charset="0"/>
+                <a:cs typeface="Times New Roman" panose="02020603050405020304" pitchFamily="18" charset="0"/>
+              </a:rPr>
+              <a:t> techniques used</a:t>
+            </a:r>
+            <a:endParaRPr lang="en-AU" sz="1800" kern="100" dirty="0">
+              <a:effectLst/>
+              <a:latin typeface="Aptos" panose="020B0004020202020204" pitchFamily="34" charset="0"/>
+              <a:ea typeface="Aptos" panose="020B0004020202020204" pitchFamily="34" charset="0"/>
+              <a:cs typeface="Times New Roman" panose="02020603050405020304" pitchFamily="18" charset="0"/>
+            </a:endParaRPr>
+          </a:p>
+          <a:p>
+            <a:pPr>
+              <a:lnSpc>
+                <a:spcPct val="107000"/>
+              </a:lnSpc>
+              <a:spcAft>
+                <a:spcPts val="800"/>
+              </a:spcAft>
+            </a:pPr>
+            <a:r>
+              <a:rPr lang="en-AU" sz="1800" b="1" kern="100" dirty="0" err="1">
+                <a:effectLst/>
+                <a:latin typeface="Aptos" panose="020B0004020202020204" pitchFamily="34" charset="0"/>
+                <a:ea typeface="Aptos" panose="020B0004020202020204" pitchFamily="34" charset="0"/>
+                <a:cs typeface="Times New Roman" panose="02020603050405020304" pitchFamily="18" charset="0"/>
+              </a:rPr>
+              <a:t>RomCom</a:t>
+            </a:r>
+            <a:r>
+              <a:rPr lang="en-AU" sz="1800" b="1" kern="100" dirty="0">
+                <a:effectLst/>
+                <a:latin typeface="Aptos" panose="020B0004020202020204" pitchFamily="34" charset="0"/>
+                <a:ea typeface="Aptos" panose="020B0004020202020204" pitchFamily="34" charset="0"/>
+                <a:cs typeface="Times New Roman" panose="02020603050405020304" pitchFamily="18" charset="0"/>
+              </a:rPr>
+              <a:t>: A custom-made ransomware tool used by the group to encrypt files and demand ransom..</a:t>
+            </a:r>
+            <a:endParaRPr lang="en-AU" sz="1800" kern="100" dirty="0">
+              <a:effectLst/>
+              <a:latin typeface="Aptos" panose="020B0004020202020204" pitchFamily="34" charset="0"/>
+              <a:ea typeface="Aptos" panose="020B0004020202020204" pitchFamily="34" charset="0"/>
+              <a:cs typeface="Times New Roman" panose="02020603050405020304" pitchFamily="18" charset="0"/>
+            </a:endParaRPr>
+          </a:p>
+          <a:p>
+            <a:pPr>
+              <a:lnSpc>
+                <a:spcPct val="107000"/>
+              </a:lnSpc>
+              <a:spcAft>
+                <a:spcPts val="800"/>
+              </a:spcAft>
+            </a:pPr>
+            <a:r>
+              <a:rPr lang="en-AU" sz="1800" b="1" kern="100" dirty="0">
+                <a:effectLst/>
+                <a:latin typeface="Aptos" panose="020B0004020202020204" pitchFamily="34" charset="0"/>
+                <a:ea typeface="Aptos" panose="020B0004020202020204" pitchFamily="34" charset="0"/>
+                <a:cs typeface="Times New Roman" panose="02020603050405020304" pitchFamily="18" charset="0"/>
+              </a:rPr>
+              <a:t>Phishing: The group uses phishing emails with malicious attachments or links to gain initial access.</a:t>
+            </a:r>
+            <a:endParaRPr lang="en-AU" sz="1800" kern="100" dirty="0">
+              <a:effectLst/>
+              <a:latin typeface="Aptos" panose="020B0004020202020204" pitchFamily="34" charset="0"/>
+              <a:ea typeface="Aptos" panose="020B0004020202020204" pitchFamily="34" charset="0"/>
+              <a:cs typeface="Times New Roman" panose="02020603050405020304" pitchFamily="18" charset="0"/>
+            </a:endParaRPr>
+          </a:p>
+          <a:p>
+            <a:pPr>
+              <a:lnSpc>
+                <a:spcPct val="107000"/>
+              </a:lnSpc>
+              <a:spcAft>
+                <a:spcPts val="800"/>
+              </a:spcAft>
+            </a:pPr>
+            <a:r>
+              <a:rPr lang="en-AU" sz="1800" b="1" kern="100" dirty="0">
+                <a:effectLst/>
+                <a:latin typeface="Aptos" panose="020B0004020202020204" pitchFamily="34" charset="0"/>
+                <a:ea typeface="Aptos" panose="020B0004020202020204" pitchFamily="34" charset="0"/>
+                <a:cs typeface="Times New Roman" panose="02020603050405020304" pitchFamily="18" charset="0"/>
+              </a:rPr>
+              <a:t>Exploit Public-Facing Application: The group exploits vulnerabilities in public-facing applications to gain initial access.</a:t>
+            </a:r>
+            <a:endParaRPr lang="en-AU" sz="1800" kern="100" dirty="0">
+              <a:effectLst/>
+              <a:latin typeface="Aptos" panose="020B0004020202020204" pitchFamily="34" charset="0"/>
+              <a:ea typeface="Aptos" panose="020B0004020202020204" pitchFamily="34" charset="0"/>
+              <a:cs typeface="Times New Roman" panose="02020603050405020304" pitchFamily="18" charset="0"/>
+            </a:endParaRPr>
+          </a:p>
+          <a:p>
+            <a:pPr>
+              <a:lnSpc>
+                <a:spcPct val="107000"/>
+              </a:lnSpc>
+              <a:spcAft>
+                <a:spcPts val="800"/>
+              </a:spcAft>
+            </a:pPr>
+            <a:r>
+              <a:rPr lang="en-AU" sz="1800" b="1" kern="100" dirty="0">
+                <a:effectLst/>
+                <a:latin typeface="Aptos" panose="020B0004020202020204" pitchFamily="34" charset="0"/>
+                <a:ea typeface="Aptos" panose="020B0004020202020204" pitchFamily="34" charset="0"/>
+                <a:cs typeface="Times New Roman" panose="02020603050405020304" pitchFamily="18" charset="0"/>
+              </a:rPr>
+              <a:t>Living Off the Land: The group uses legitimate system tools to evade detection.</a:t>
+            </a:r>
+            <a:endParaRPr lang="en-AU" sz="1800" kern="100" dirty="0">
+              <a:effectLst/>
+              <a:latin typeface="Aptos" panose="020B0004020202020204" pitchFamily="34" charset="0"/>
+              <a:ea typeface="Aptos" panose="020B0004020202020204" pitchFamily="34" charset="0"/>
+              <a:cs typeface="Times New Roman" panose="02020603050405020304" pitchFamily="18" charset="0"/>
+            </a:endParaRPr>
+          </a:p>
+          <a:p>
+            <a:pPr>
+              <a:lnSpc>
+                <a:spcPct val="107000"/>
+              </a:lnSpc>
+              <a:spcAft>
+                <a:spcPts val="800"/>
+              </a:spcAft>
+            </a:pPr>
+            <a:r>
+              <a:rPr lang="en-AU" sz="1800" b="1" kern="100" dirty="0">
+                <a:effectLst/>
+                <a:latin typeface="Aptos" panose="020B0004020202020204" pitchFamily="34" charset="0"/>
+                <a:ea typeface="Aptos" panose="020B0004020202020204" pitchFamily="34" charset="0"/>
+                <a:cs typeface="Times New Roman" panose="02020603050405020304" pitchFamily="18" charset="0"/>
+              </a:rPr>
+              <a:t>RDP: The group uses Remote Desktop Protocol (RDP) to move laterally within the network.</a:t>
+            </a:r>
+            <a:endParaRPr lang="en-AU" sz="1800" kern="100" dirty="0">
+              <a:effectLst/>
+              <a:latin typeface="Aptos" panose="020B0004020202020204" pitchFamily="34" charset="0"/>
+              <a:ea typeface="Aptos" panose="020B0004020202020204" pitchFamily="34" charset="0"/>
+              <a:cs typeface="Times New Roman" panose="02020603050405020304" pitchFamily="18" charset="0"/>
+            </a:endParaRPr>
+          </a:p>
+          <a:p>
+            <a:pPr>
+              <a:lnSpc>
+                <a:spcPct val="107000"/>
+              </a:lnSpc>
+              <a:spcAft>
+                <a:spcPts val="800"/>
+              </a:spcAft>
+            </a:pPr>
+            <a:r>
+              <a:rPr lang="en-AU" sz="1800" b="1" kern="100" dirty="0">
+                <a:effectLst/>
+                <a:latin typeface="Aptos" panose="020B0004020202020204" pitchFamily="34" charset="0"/>
+                <a:ea typeface="Aptos" panose="020B0004020202020204" pitchFamily="34" charset="0"/>
+                <a:cs typeface="Times New Roman" panose="02020603050405020304" pitchFamily="18" charset="0"/>
+              </a:rPr>
+              <a:t>Group Association: </a:t>
+            </a:r>
+            <a:r>
+              <a:rPr lang="en-AU" sz="1800" kern="100" dirty="0">
+                <a:effectLst/>
+                <a:latin typeface="Aptos" panose="020B0004020202020204" pitchFamily="34" charset="0"/>
+                <a:ea typeface="Aptos" panose="020B0004020202020204" pitchFamily="34" charset="0"/>
+                <a:cs typeface="Times New Roman" panose="02020603050405020304" pitchFamily="18" charset="0"/>
+              </a:rPr>
+              <a:t>CUBARANSOM has been used by CUBARANSOMWARE. </a:t>
+            </a:r>
+          </a:p>
+          <a:p>
+            <a:endParaRPr lang="en-AU" dirty="0"/>
+          </a:p>
+        </p:txBody>
+      </p:sp>
+    </p:spTree>
+    <p:extLst>
+      <p:ext uri="{BB962C8B-B14F-4D97-AF65-F5344CB8AC3E}">
+        <p14:creationId xmlns:p14="http://schemas.microsoft.com/office/powerpoint/2010/main" val="2207841687"/>
+      </p:ext>
+    </p:extLst>
+  </p:cSld>
+  <p:clrMapOvr>
+    <a:masterClrMapping/>
+  </p:clrMapOvr>
+</p:sld>
+</file>
+
+<file path=ppt/slides/slide2.xml><?xml version="1.0" encoding="utf-8"?>
+<p:sld xmlns:a="http://schemas.openxmlformats.org/drawingml/2006/main" xmlns:r="http://schemas.openxmlformats.org/officeDocument/2006/relationships" xmlns:p="http://schemas.openxmlformats.org/presentationml/2006/main">
+  <p:cSld>
+    <p:spTree>
+      <p:nvGrpSpPr>
+        <p:cNvPr id="1" name=""/>
+        <p:cNvGrpSpPr/>
+        <p:nvPr/>
+      </p:nvGrpSpPr>
+      <p:grpSpPr>
+        <a:xfrm>
+          <a:off x="0" y="0"/>
+          <a:ext cx="0" cy="0"/>
+          <a:chOff x="0" y="0"/>
+          <a:chExt cx="0" cy="0"/>
+        </a:xfrm>
+      </p:grpSpPr>
+      <p:sp>
+        <p:nvSpPr>
+          <p:cNvPr id="2" name="TextBox 1">
+            <a:extLst>
+              <a:ext uri="{FF2B5EF4-FFF2-40B4-BE49-F238E27FC236}">
+                <a16:creationId xmlns:a16="http://schemas.microsoft.com/office/drawing/2014/main" id="{0142B4D2-F99E-671C-439A-7AD90689D286}"/>
+              </a:ext>
+            </a:extLst>
+          </p:cNvPr>
+          <p:cNvSpPr txBox="1"/>
+          <p:nvPr/>
+        </p:nvSpPr>
+        <p:spPr>
+          <a:xfrm>
+            <a:off x="946484" y="577516"/>
+            <a:ext cx="10315074" cy="4746428"/>
+          </a:xfrm>
+          <a:prstGeom prst="rect">
+            <a:avLst/>
+          </a:prstGeom>
+          <a:noFill/>
+        </p:spPr>
+        <p:txBody>
+          <a:bodyPr wrap="square" rtlCol="0">
+            <a:spAutoFit/>
+          </a:bodyPr>
+          <a:lstStyle/>
+          <a:p>
+            <a:pPr>
+              <a:lnSpc>
+                <a:spcPct val="107000"/>
+              </a:lnSpc>
+              <a:spcAft>
+                <a:spcPts val="800"/>
+              </a:spcAft>
+            </a:pPr>
+            <a:r>
+              <a:rPr lang="en-AU" sz="1800" b="1" kern="100" dirty="0">
+                <a:effectLst/>
+                <a:latin typeface="Aptos" panose="020B0004020202020204" pitchFamily="34" charset="0"/>
+                <a:ea typeface="Aptos" panose="020B0004020202020204" pitchFamily="34" charset="0"/>
+                <a:cs typeface="Times New Roman" panose="02020603050405020304" pitchFamily="18" charset="0"/>
+              </a:rPr>
+              <a:t>Tools and software used: </a:t>
+            </a:r>
+            <a:endParaRPr lang="en-AU" sz="1800" kern="100" dirty="0">
+              <a:effectLst/>
+              <a:latin typeface="Aptos" panose="020B0004020202020204" pitchFamily="34" charset="0"/>
+              <a:ea typeface="Aptos" panose="020B0004020202020204" pitchFamily="34" charset="0"/>
+              <a:cs typeface="Times New Roman" panose="02020603050405020304" pitchFamily="18" charset="0"/>
+            </a:endParaRPr>
+          </a:p>
+          <a:p>
+            <a:pPr>
+              <a:lnSpc>
+                <a:spcPct val="107000"/>
+              </a:lnSpc>
+              <a:spcAft>
+                <a:spcPts val="800"/>
+              </a:spcAft>
+            </a:pPr>
+            <a:r>
+              <a:rPr lang="en-AU" sz="1800" b="1" kern="100" dirty="0">
+                <a:effectLst/>
+                <a:latin typeface="Aptos" panose="020B0004020202020204" pitchFamily="34" charset="0"/>
+                <a:ea typeface="Aptos" panose="020B0004020202020204" pitchFamily="34" charset="0"/>
+                <a:cs typeface="Times New Roman" panose="02020603050405020304" pitchFamily="18" charset="0"/>
+              </a:rPr>
+              <a:t>       Cobalt Strike</a:t>
+            </a:r>
+            <a:r>
+              <a:rPr lang="en-AU" sz="1800" kern="100" dirty="0">
+                <a:effectLst/>
+                <a:latin typeface="Aptos" panose="020B0004020202020204" pitchFamily="34" charset="0"/>
+                <a:ea typeface="Aptos" panose="020B0004020202020204" pitchFamily="34" charset="0"/>
+                <a:cs typeface="Times New Roman" panose="02020603050405020304" pitchFamily="18" charset="0"/>
+              </a:rPr>
+              <a:t>: A commercial penetration testing tool used for post-exploitation and lateral           movement.</a:t>
+            </a:r>
+          </a:p>
+          <a:p>
+            <a:pPr marL="228600">
+              <a:lnSpc>
+                <a:spcPct val="107000"/>
+              </a:lnSpc>
+              <a:spcAft>
+                <a:spcPts val="800"/>
+              </a:spcAft>
+            </a:pPr>
+            <a:r>
+              <a:rPr lang="en-AU" sz="1800" b="1" kern="100" dirty="0">
+                <a:effectLst/>
+                <a:latin typeface="Aptos" panose="020B0004020202020204" pitchFamily="34" charset="0"/>
+                <a:ea typeface="Aptos" panose="020B0004020202020204" pitchFamily="34" charset="0"/>
+                <a:cs typeface="Times New Roman" panose="02020603050405020304" pitchFamily="18" charset="0"/>
+              </a:rPr>
+              <a:t>Empire</a:t>
+            </a:r>
+            <a:r>
+              <a:rPr lang="en-AU" sz="1800" kern="100" dirty="0">
+                <a:effectLst/>
+                <a:latin typeface="Aptos" panose="020B0004020202020204" pitchFamily="34" charset="0"/>
+                <a:ea typeface="Aptos" panose="020B0004020202020204" pitchFamily="34" charset="0"/>
+                <a:cs typeface="Times New Roman" panose="02020603050405020304" pitchFamily="18" charset="0"/>
+              </a:rPr>
+              <a:t>: An open-source post-exploitation framework used for lateral movement and privilege escalation.</a:t>
+            </a:r>
+          </a:p>
+          <a:p>
+            <a:pPr marL="228600">
+              <a:lnSpc>
+                <a:spcPct val="107000"/>
+              </a:lnSpc>
+              <a:spcAft>
+                <a:spcPts val="800"/>
+              </a:spcAft>
+            </a:pPr>
+            <a:r>
+              <a:rPr lang="en-AU" sz="1800" b="1" kern="100" dirty="0" err="1">
+                <a:effectLst/>
+                <a:latin typeface="Aptos" panose="020B0004020202020204" pitchFamily="34" charset="0"/>
+                <a:ea typeface="Aptos" panose="020B0004020202020204" pitchFamily="34" charset="0"/>
+                <a:cs typeface="Times New Roman" panose="02020603050405020304" pitchFamily="18" charset="0"/>
+              </a:rPr>
+              <a:t>Mimikatz</a:t>
+            </a:r>
+            <a:r>
+              <a:rPr lang="en-AU" sz="1800" kern="100" dirty="0">
+                <a:effectLst/>
+                <a:latin typeface="Aptos" panose="020B0004020202020204" pitchFamily="34" charset="0"/>
+                <a:ea typeface="Aptos" panose="020B0004020202020204" pitchFamily="34" charset="0"/>
+                <a:cs typeface="Times New Roman" panose="02020603050405020304" pitchFamily="18" charset="0"/>
+              </a:rPr>
+              <a:t>: A tool used for credential harvesting and password extraction.</a:t>
+            </a:r>
+          </a:p>
+          <a:p>
+            <a:pPr marL="228600">
+              <a:lnSpc>
+                <a:spcPct val="107000"/>
+              </a:lnSpc>
+              <a:spcAft>
+                <a:spcPts val="800"/>
+              </a:spcAft>
+            </a:pPr>
+            <a:r>
+              <a:rPr lang="en-AU" sz="1800" b="1" kern="100" dirty="0" err="1">
+                <a:effectLst/>
+                <a:latin typeface="Aptos" panose="020B0004020202020204" pitchFamily="34" charset="0"/>
+                <a:ea typeface="Aptos" panose="020B0004020202020204" pitchFamily="34" charset="0"/>
+                <a:cs typeface="Times New Roman" panose="02020603050405020304" pitchFamily="18" charset="0"/>
+              </a:rPr>
+              <a:t>PsExec</a:t>
+            </a:r>
+            <a:r>
+              <a:rPr lang="en-AU" sz="1800" kern="100" dirty="0">
+                <a:effectLst/>
+                <a:latin typeface="Aptos" panose="020B0004020202020204" pitchFamily="34" charset="0"/>
+                <a:ea typeface="Aptos" panose="020B0004020202020204" pitchFamily="34" charset="0"/>
+                <a:cs typeface="Times New Roman" panose="02020603050405020304" pitchFamily="18" charset="0"/>
+              </a:rPr>
+              <a:t>: A tool used for executing processes on remote systems.</a:t>
+            </a:r>
+          </a:p>
+          <a:p>
+            <a:pPr marL="228600">
+              <a:lnSpc>
+                <a:spcPct val="107000"/>
+              </a:lnSpc>
+              <a:spcAft>
+                <a:spcPts val="800"/>
+              </a:spcAft>
+            </a:pPr>
+            <a:r>
+              <a:rPr lang="en-AU" sz="1800" b="1" kern="100" dirty="0">
+                <a:effectLst/>
+                <a:latin typeface="Aptos" panose="020B0004020202020204" pitchFamily="34" charset="0"/>
+                <a:ea typeface="Aptos" panose="020B0004020202020204" pitchFamily="34" charset="0"/>
+                <a:cs typeface="Times New Roman" panose="02020603050405020304" pitchFamily="18" charset="0"/>
+              </a:rPr>
+              <a:t>WinRAR</a:t>
+            </a:r>
+            <a:r>
+              <a:rPr lang="en-AU" sz="1800" kern="100" dirty="0">
+                <a:effectLst/>
+                <a:latin typeface="Aptos" panose="020B0004020202020204" pitchFamily="34" charset="0"/>
+                <a:ea typeface="Aptos" panose="020B0004020202020204" pitchFamily="34" charset="0"/>
+                <a:cs typeface="Times New Roman" panose="02020603050405020304" pitchFamily="18" charset="0"/>
+              </a:rPr>
+              <a:t>: A compression tool used to archive and encrypt stolen data.</a:t>
+            </a:r>
+          </a:p>
+          <a:p>
+            <a:pPr>
+              <a:lnSpc>
+                <a:spcPct val="107000"/>
+              </a:lnSpc>
+              <a:spcAft>
+                <a:spcPts val="800"/>
+              </a:spcAft>
+            </a:pPr>
+            <a:r>
+              <a:rPr lang="en-AU" sz="1800" kern="100" dirty="0">
+                <a:effectLst/>
+                <a:latin typeface="Aptos" panose="020B0004020202020204" pitchFamily="34" charset="0"/>
+                <a:ea typeface="Aptos" panose="020B0004020202020204" pitchFamily="34" charset="0"/>
+                <a:cs typeface="Times New Roman" panose="02020603050405020304" pitchFamily="18" charset="0"/>
+              </a:rPr>
+              <a:t> </a:t>
+            </a:r>
+          </a:p>
+          <a:p>
+            <a:pPr>
+              <a:lnSpc>
+                <a:spcPct val="107000"/>
+              </a:lnSpc>
+              <a:spcAft>
+                <a:spcPts val="800"/>
+              </a:spcAft>
+            </a:pPr>
+            <a:r>
+              <a:rPr lang="en-AU" sz="1800" b="1" i="1" kern="100" dirty="0">
+                <a:effectLst/>
+                <a:latin typeface="Aptos" panose="020B0004020202020204" pitchFamily="34" charset="0"/>
+                <a:ea typeface="Aptos" panose="020B0004020202020204" pitchFamily="34" charset="0"/>
+                <a:cs typeface="Times New Roman" panose="02020603050405020304" pitchFamily="18" charset="0"/>
+              </a:rPr>
+              <a:t>Targeted Sectors:</a:t>
+            </a:r>
+            <a:r>
+              <a:rPr lang="en-AU" sz="1800" i="1" kern="100" dirty="0">
+                <a:effectLst/>
+                <a:latin typeface="Aptos" panose="020B0004020202020204" pitchFamily="34" charset="0"/>
+                <a:ea typeface="Aptos" panose="020B0004020202020204" pitchFamily="34" charset="0"/>
+                <a:cs typeface="Times New Roman" panose="02020603050405020304" pitchFamily="18" charset="0"/>
+              </a:rPr>
+              <a:t> Financial Services, Government Facilities, Healthcare and Public Health, Critical Manufacturing, and Information Technology </a:t>
+            </a:r>
+            <a:r>
+              <a:rPr lang="en-AU" sz="1800" i="1" u="sng" kern="100" dirty="0">
+                <a:solidFill>
+                  <a:srgbClr val="467886"/>
+                </a:solidFill>
+                <a:effectLst/>
+                <a:latin typeface="Aptos" panose="020B0004020202020204" pitchFamily="34" charset="0"/>
+                <a:ea typeface="Aptos" panose="020B0004020202020204" pitchFamily="34" charset="0"/>
+                <a:cs typeface="Times New Roman" panose="02020603050405020304" pitchFamily="18" charset="0"/>
+                <a:hlinkClick r:id="rId2"/>
+              </a:rPr>
+              <a:t>https://www.attackiq.com/2022/12/03/attack-graph-response-to-us-cert-alert-aa22-335a-stopransomware-cuba-ransomware/</a:t>
+            </a:r>
+            <a:endParaRPr lang="en-AU" sz="1800" kern="100" dirty="0">
+              <a:effectLst/>
+              <a:latin typeface="Aptos" panose="020B0004020202020204" pitchFamily="34" charset="0"/>
+              <a:ea typeface="Aptos" panose="020B0004020202020204" pitchFamily="34" charset="0"/>
+              <a:cs typeface="Times New Roman" panose="02020603050405020304" pitchFamily="18" charset="0"/>
+            </a:endParaRPr>
+          </a:p>
+          <a:p>
+            <a:endParaRPr lang="en-AU" dirty="0"/>
+          </a:p>
+        </p:txBody>
+      </p:sp>
+    </p:spTree>
+    <p:extLst>
+      <p:ext uri="{BB962C8B-B14F-4D97-AF65-F5344CB8AC3E}">
+        <p14:creationId xmlns:p14="http://schemas.microsoft.com/office/powerpoint/2010/main" val="3989972558"/>
+      </p:ext>
+    </p:extLst>
+  </p:cSld>
+  <p:clrMapOvr>
+    <a:masterClrMapping/>
+  </p:clrMapOvr>
+</p:sld>
+</file>
+
+<file path=ppt/slides/slide3.xml><?xml version="1.0" encoding="utf-8"?>
+<p:sld xmlns:a="http://schemas.openxmlformats.org/drawingml/2006/main" xmlns:r="http://schemas.openxmlformats.org/officeDocument/2006/relationships" xmlns:p="http://schemas.openxmlformats.org/presentationml/2006/main">
+  <p:cSld>
+    <p:spTree>
+      <p:nvGrpSpPr>
+        <p:cNvPr id="1" name=""/>
+        <p:cNvGrpSpPr/>
+        <p:nvPr/>
+      </p:nvGrpSpPr>
+      <p:grpSpPr>
+        <a:xfrm>
+          <a:off x="0" y="0"/>
+          <a:ext cx="0" cy="0"/>
+          <a:chOff x="0" y="0"/>
+          <a:chExt cx="0" cy="0"/>
+        </a:xfrm>
+      </p:grpSpPr>
+      <p:sp>
+        <p:nvSpPr>
           <p:cNvPr id="3" name="Subtitle 2">
             <a:extLst>
               <a:ext uri="{FF2B5EF4-FFF2-40B4-BE49-F238E27FC236}">
@@ -16260,7 +16947,215 @@
 </p:sld>
 </file>
 
-<file path=ppt/slides/slide2.xml><?xml version="1.0" encoding="utf-8"?>
+<file path=ppt/slides/slide4.xml><?xml version="1.0" encoding="utf-8"?>
+<p:sld xmlns:a="http://schemas.openxmlformats.org/drawingml/2006/main" xmlns:r="http://schemas.openxmlformats.org/officeDocument/2006/relationships" xmlns:p="http://schemas.openxmlformats.org/presentationml/2006/main">
+  <p:cSld>
+    <p:spTree>
+      <p:nvGrpSpPr>
+        <p:cNvPr id="1" name=""/>
+        <p:cNvGrpSpPr/>
+        <p:nvPr/>
+      </p:nvGrpSpPr>
+      <p:grpSpPr>
+        <a:xfrm>
+          <a:off x="0" y="0"/>
+          <a:ext cx="0" cy="0"/>
+          <a:chOff x="0" y="0"/>
+          <a:chExt cx="0" cy="0"/>
+        </a:xfrm>
+      </p:grpSpPr>
+      <p:sp>
+        <p:nvSpPr>
+          <p:cNvPr id="2" name="Title 1">
+            <a:extLst>
+              <a:ext uri="{FF2B5EF4-FFF2-40B4-BE49-F238E27FC236}">
+                <a16:creationId xmlns:a16="http://schemas.microsoft.com/office/drawing/2014/main" id="{BDD36234-E5B3-4BB3-A14E-ACFCDA8777FB}"/>
+              </a:ext>
+            </a:extLst>
+          </p:cNvPr>
+          <p:cNvSpPr>
+            <a:spLocks noGrp="1"/>
+          </p:cNvSpPr>
+          <p:nvPr>
+            <p:ph type="title"/>
+          </p:nvPr>
+        </p:nvSpPr>
+        <p:spPr/>
+        <p:txBody>
+          <a:bodyPr/>
+          <a:lstStyle/>
+          <a:p>
+            <a:endParaRPr lang="en-AU"/>
+          </a:p>
+        </p:txBody>
+      </p:sp>
+      <p:sp>
+        <p:nvSpPr>
+          <p:cNvPr id="3" name="Content Placeholder 2">
+            <a:extLst>
+              <a:ext uri="{FF2B5EF4-FFF2-40B4-BE49-F238E27FC236}">
+                <a16:creationId xmlns:a16="http://schemas.microsoft.com/office/drawing/2014/main" id="{4D79FB1A-FE8C-12C2-5978-C15D473232EC}"/>
+              </a:ext>
+            </a:extLst>
+          </p:cNvPr>
+          <p:cNvSpPr>
+            <a:spLocks noGrp="1"/>
+          </p:cNvSpPr>
+          <p:nvPr>
+            <p:ph idx="1"/>
+          </p:nvPr>
+        </p:nvSpPr>
+        <p:spPr/>
+        <p:txBody>
+          <a:bodyPr/>
+          <a:lstStyle/>
+          <a:p>
+            <a:pPr>
+              <a:lnSpc>
+                <a:spcPct val="107000"/>
+              </a:lnSpc>
+              <a:spcAft>
+                <a:spcPts val="800"/>
+              </a:spcAft>
+            </a:pPr>
+            <a:r>
+              <a:rPr lang="en-AU" sz="1800" b="1" kern="100" dirty="0">
+                <a:effectLst/>
+                <a:latin typeface="Aptos" panose="020B0004020202020204" pitchFamily="34" charset="0"/>
+                <a:ea typeface="Aptos" panose="020B0004020202020204" pitchFamily="34" charset="0"/>
+                <a:cs typeface="Times New Roman" panose="02020603050405020304" pitchFamily="18" charset="0"/>
+              </a:rPr>
+              <a:t>Description:</a:t>
+            </a:r>
+            <a:r>
+              <a:rPr lang="en-AU" sz="1800" kern="100" dirty="0">
+                <a:effectLst/>
+                <a:latin typeface="Aptos" panose="020B0004020202020204" pitchFamily="34" charset="0"/>
+                <a:ea typeface="Aptos" panose="020B0004020202020204" pitchFamily="34" charset="0"/>
+                <a:cs typeface="Times New Roman" panose="02020603050405020304" pitchFamily="18" charset="0"/>
+              </a:rPr>
+              <a:t> CUBARANSOM is custom ransomware used by CUBARANSOMWARE to encrypt files and demand ransom.</a:t>
+            </a:r>
+          </a:p>
+          <a:p>
+            <a:pPr>
+              <a:lnSpc>
+                <a:spcPct val="107000"/>
+              </a:lnSpc>
+              <a:spcAft>
+                <a:spcPts val="800"/>
+              </a:spcAft>
+            </a:pPr>
+            <a:r>
+              <a:rPr lang="en-AU" sz="1800" b="1" kern="100" dirty="0">
+                <a:effectLst/>
+                <a:latin typeface="Aptos" panose="020B0004020202020204" pitchFamily="34" charset="0"/>
+                <a:ea typeface="Aptos" panose="020B0004020202020204" pitchFamily="34" charset="0"/>
+                <a:cs typeface="Times New Roman" panose="02020603050405020304" pitchFamily="18" charset="0"/>
+              </a:rPr>
+              <a:t>Platform</a:t>
+            </a:r>
+            <a:r>
+              <a:rPr lang="en-AU" sz="1800" kern="100" dirty="0">
+                <a:effectLst/>
+                <a:latin typeface="Aptos" panose="020B0004020202020204" pitchFamily="34" charset="0"/>
+                <a:ea typeface="Aptos" panose="020B0004020202020204" pitchFamily="34" charset="0"/>
+                <a:cs typeface="Times New Roman" panose="02020603050405020304" pitchFamily="18" charset="0"/>
+              </a:rPr>
+              <a:t>: Windows Techniques</a:t>
+            </a:r>
+          </a:p>
+          <a:p>
+            <a:pPr>
+              <a:lnSpc>
+                <a:spcPct val="107000"/>
+              </a:lnSpc>
+              <a:spcAft>
+                <a:spcPts val="800"/>
+              </a:spcAft>
+            </a:pPr>
+            <a:r>
+              <a:rPr lang="en-AU" sz="1800" kern="100" dirty="0">
+                <a:effectLst/>
+                <a:latin typeface="Aptos" panose="020B0004020202020204" pitchFamily="34" charset="0"/>
+                <a:ea typeface="Aptos" panose="020B0004020202020204" pitchFamily="34" charset="0"/>
+                <a:cs typeface="Times New Roman" panose="02020603050405020304" pitchFamily="18" charset="0"/>
+              </a:rPr>
+              <a:t>• </a:t>
+            </a:r>
+            <a:r>
+              <a:rPr lang="en-AU" sz="1800" b="1" kern="100" dirty="0">
+                <a:effectLst/>
+                <a:latin typeface="Aptos" panose="020B0004020202020204" pitchFamily="34" charset="0"/>
+                <a:ea typeface="Aptos" panose="020B0004020202020204" pitchFamily="34" charset="0"/>
+                <a:cs typeface="Times New Roman" panose="02020603050405020304" pitchFamily="18" charset="0"/>
+              </a:rPr>
+              <a:t>Data Encrypted for Impact (T1486) </a:t>
+            </a:r>
+            <a:r>
+              <a:rPr lang="en-AU" sz="1800" kern="100" dirty="0">
+                <a:effectLst/>
+                <a:latin typeface="Aptos" panose="020B0004020202020204" pitchFamily="34" charset="0"/>
+                <a:ea typeface="Aptos" panose="020B0004020202020204" pitchFamily="34" charset="0"/>
+                <a:cs typeface="Times New Roman" panose="02020603050405020304" pitchFamily="18" charset="0"/>
+              </a:rPr>
+              <a:t>– CUBARANSOM has encrypted files on compromised systems, demanding ransom in exchange for the decryption key. </a:t>
+            </a:r>
+          </a:p>
+          <a:p>
+            <a:pPr>
+              <a:lnSpc>
+                <a:spcPct val="107000"/>
+              </a:lnSpc>
+              <a:spcAft>
+                <a:spcPts val="800"/>
+              </a:spcAft>
+            </a:pPr>
+            <a:r>
+              <a:rPr lang="en-AU" sz="1800" kern="100" dirty="0">
+                <a:effectLst/>
+                <a:latin typeface="Aptos" panose="020B0004020202020204" pitchFamily="34" charset="0"/>
+                <a:ea typeface="Aptos" panose="020B0004020202020204" pitchFamily="34" charset="0"/>
+                <a:cs typeface="Times New Roman" panose="02020603050405020304" pitchFamily="18" charset="0"/>
+              </a:rPr>
+              <a:t>• Command and Scripting Interpreter: Windows Command Shell (T1059.003) – CUBARANSOM has used the Windows Command Shell to execute malicious commands.  </a:t>
+            </a:r>
+            <a:r>
+              <a:rPr lang="en-AU" sz="1800" u="sng" kern="100" dirty="0">
+                <a:solidFill>
+                  <a:srgbClr val="467886"/>
+                </a:solidFill>
+                <a:effectLst/>
+                <a:latin typeface="Aptos" panose="020B0004020202020204" pitchFamily="34" charset="0"/>
+                <a:ea typeface="Aptos" panose="020B0004020202020204" pitchFamily="34" charset="0"/>
+                <a:cs typeface="Times New Roman" panose="02020603050405020304" pitchFamily="18" charset="0"/>
+                <a:hlinkClick r:id="rId2"/>
+              </a:rPr>
+              <a:t>Cuba, Software S0625 | MITRE ATT&amp;CK®</a:t>
+            </a:r>
+            <a:endParaRPr lang="en-AU" sz="1800" kern="100" dirty="0">
+              <a:effectLst/>
+              <a:latin typeface="Aptos" panose="020B0004020202020204" pitchFamily="34" charset="0"/>
+              <a:ea typeface="Aptos" panose="020B0004020202020204" pitchFamily="34" charset="0"/>
+              <a:cs typeface="Times New Roman" panose="02020603050405020304" pitchFamily="18" charset="0"/>
+            </a:endParaRPr>
+          </a:p>
+        </p:txBody>
+      </p:sp>
+    </p:spTree>
+    <p:extLst>
+      <p:ext uri="{BB962C8B-B14F-4D97-AF65-F5344CB8AC3E}">
+        <p14:creationId xmlns:p14="http://schemas.microsoft.com/office/powerpoint/2010/main" val="488202138"/>
+      </p:ext>
+    </p:extLst>
+  </p:cSld>
+  <p:clrMapOvr>
+    <a:masterClrMapping/>
+  </p:clrMapOvr>
+</p:sld>
+</file>
+
+<file path=ppt/slides/slide5.xml><?xml version="1.0" encoding="utf-8"?>
 <p:sld xmlns:a="http://schemas.openxmlformats.org/drawingml/2006/main" xmlns:r="http://schemas.openxmlformats.org/officeDocument/2006/relationships" xmlns:p="http://schemas.openxmlformats.org/presentationml/2006/main">
   <p:cSld>
     <p:spTree>
@@ -16598,7 +17493,7 @@
 </p:sld>
 </file>
 
-<file path=ppt/slides/slide3.xml><?xml version="1.0" encoding="utf-8"?>
+<file path=ppt/slides/slide6.xml><?xml version="1.0" encoding="utf-8"?>
 <p:sld xmlns:a="http://schemas.openxmlformats.org/drawingml/2006/main" xmlns:r="http://schemas.openxmlformats.org/officeDocument/2006/relationships" xmlns:p="http://schemas.openxmlformats.org/presentationml/2006/main">
   <p:cSld>
     <p:spTree>
@@ -16741,7 +17636,7 @@
 </p:sld>
 </file>
 
-<file path=ppt/slides/slide4.xml><?xml version="1.0" encoding="utf-8"?>
+<file path=ppt/slides/slide7.xml><?xml version="1.0" encoding="utf-8"?>
 <p:sld xmlns:a="http://schemas.openxmlformats.org/drawingml/2006/main" xmlns:r="http://schemas.openxmlformats.org/officeDocument/2006/relationships" xmlns:p="http://schemas.openxmlformats.org/presentationml/2006/main">
   <p:cSld>
     <p:spTree>
